--- a/工具/linux/images/绘图模板.pptx
+++ b/工具/linux/images/绘图模板.pptx
@@ -5,10 +5,9 @@
     <p:sldMasterId id="2147483660" r:id="rId1"/>
   </p:sldMasterIdLst>
   <p:sldIdLst>
-    <p:sldId id="256" r:id="rId2"/>
-    <p:sldId id="258" r:id="rId3"/>
-    <p:sldId id="257" r:id="rId4"/>
-    <p:sldId id="259" r:id="rId5"/>
+    <p:sldId id="258" r:id="rId2"/>
+    <p:sldId id="257" r:id="rId3"/>
+    <p:sldId id="259" r:id="rId4"/>
   </p:sldIdLst>
   <p:sldSz cx="12192000" cy="6858000"/>
   <p:notesSz cx="6858000" cy="9144000"/>
@@ -246,7 +245,7 @@
           <a:p>
             <a:fld id="{3054972E-B7AE-4323-9A9E-8E0108B33416}" type="datetimeFigureOut">
               <a:rPr lang="zh-CN" altLang="en-US" smtClean="0"/>
-              <a:t>2020/7/31</a:t>
+              <a:t>2022/11/2</a:t>
             </a:fld>
             <a:endParaRPr lang="zh-CN" altLang="en-US"/>
           </a:p>
@@ -416,7 +415,7 @@
           <a:p>
             <a:fld id="{3054972E-B7AE-4323-9A9E-8E0108B33416}" type="datetimeFigureOut">
               <a:rPr lang="zh-CN" altLang="en-US" smtClean="0"/>
-              <a:t>2020/7/31</a:t>
+              <a:t>2022/11/2</a:t>
             </a:fld>
             <a:endParaRPr lang="zh-CN" altLang="en-US"/>
           </a:p>
@@ -596,7 +595,7 @@
           <a:p>
             <a:fld id="{3054972E-B7AE-4323-9A9E-8E0108B33416}" type="datetimeFigureOut">
               <a:rPr lang="zh-CN" altLang="en-US" smtClean="0"/>
-              <a:t>2020/7/31</a:t>
+              <a:t>2022/11/2</a:t>
             </a:fld>
             <a:endParaRPr lang="zh-CN" altLang="en-US"/>
           </a:p>
@@ -766,7 +765,7 @@
           <a:p>
             <a:fld id="{3054972E-B7AE-4323-9A9E-8E0108B33416}" type="datetimeFigureOut">
               <a:rPr lang="zh-CN" altLang="en-US" smtClean="0"/>
-              <a:t>2020/7/31</a:t>
+              <a:t>2022/11/2</a:t>
             </a:fld>
             <a:endParaRPr lang="zh-CN" altLang="en-US"/>
           </a:p>
@@ -1010,7 +1009,7 @@
           <a:p>
             <a:fld id="{3054972E-B7AE-4323-9A9E-8E0108B33416}" type="datetimeFigureOut">
               <a:rPr lang="zh-CN" altLang="en-US" smtClean="0"/>
-              <a:t>2020/7/31</a:t>
+              <a:t>2022/11/2</a:t>
             </a:fld>
             <a:endParaRPr lang="zh-CN" altLang="en-US"/>
           </a:p>
@@ -1242,7 +1241,7 @@
           <a:p>
             <a:fld id="{3054972E-B7AE-4323-9A9E-8E0108B33416}" type="datetimeFigureOut">
               <a:rPr lang="zh-CN" altLang="en-US" smtClean="0"/>
-              <a:t>2020/7/31</a:t>
+              <a:t>2022/11/2</a:t>
             </a:fld>
             <a:endParaRPr lang="zh-CN" altLang="en-US"/>
           </a:p>
@@ -1609,7 +1608,7 @@
           <a:p>
             <a:fld id="{3054972E-B7AE-4323-9A9E-8E0108B33416}" type="datetimeFigureOut">
               <a:rPr lang="zh-CN" altLang="en-US" smtClean="0"/>
-              <a:t>2020/7/31</a:t>
+              <a:t>2022/11/2</a:t>
             </a:fld>
             <a:endParaRPr lang="zh-CN" altLang="en-US"/>
           </a:p>
@@ -1727,7 +1726,7 @@
           <a:p>
             <a:fld id="{3054972E-B7AE-4323-9A9E-8E0108B33416}" type="datetimeFigureOut">
               <a:rPr lang="zh-CN" altLang="en-US" smtClean="0"/>
-              <a:t>2020/7/31</a:t>
+              <a:t>2022/11/2</a:t>
             </a:fld>
             <a:endParaRPr lang="zh-CN" altLang="en-US"/>
           </a:p>
@@ -1822,7 +1821,7 @@
           <a:p>
             <a:fld id="{3054972E-B7AE-4323-9A9E-8E0108B33416}" type="datetimeFigureOut">
               <a:rPr lang="zh-CN" altLang="en-US" smtClean="0"/>
-              <a:t>2020/7/31</a:t>
+              <a:t>2022/11/2</a:t>
             </a:fld>
             <a:endParaRPr lang="zh-CN" altLang="en-US"/>
           </a:p>
@@ -2099,7 +2098,7 @@
           <a:p>
             <a:fld id="{3054972E-B7AE-4323-9A9E-8E0108B33416}" type="datetimeFigureOut">
               <a:rPr lang="zh-CN" altLang="en-US" smtClean="0"/>
-              <a:t>2020/7/31</a:t>
+              <a:t>2022/11/2</a:t>
             </a:fld>
             <a:endParaRPr lang="zh-CN" altLang="en-US"/>
           </a:p>
@@ -2356,7 +2355,7 @@
           <a:p>
             <a:fld id="{3054972E-B7AE-4323-9A9E-8E0108B33416}" type="datetimeFigureOut">
               <a:rPr lang="zh-CN" altLang="en-US" smtClean="0"/>
-              <a:t>2020/7/31</a:t>
+              <a:t>2022/11/2</a:t>
             </a:fld>
             <a:endParaRPr lang="zh-CN" altLang="en-US"/>
           </a:p>
@@ -2569,7 +2568,7 @@
           <a:p>
             <a:fld id="{3054972E-B7AE-4323-9A9E-8E0108B33416}" type="datetimeFigureOut">
               <a:rPr lang="zh-CN" altLang="en-US" smtClean="0"/>
-              <a:t>2020/7/31</a:t>
+              <a:t>2022/11/2</a:t>
             </a:fld>
             <a:endParaRPr lang="zh-CN" altLang="en-US"/>
           </a:p>
@@ -2976,10 +2975,10 @@
       </p:grpSpPr>
       <p:sp>
         <p:nvSpPr>
-          <p:cNvPr id="4" name="矩形: 圆角 3">
+          <p:cNvPr id="5" name="矩形: 圆角 4">
             <a:extLst>
               <a:ext uri="{FF2B5EF4-FFF2-40B4-BE49-F238E27FC236}">
-                <a16:creationId xmlns:a16="http://schemas.microsoft.com/office/drawing/2014/main" id="{80C4C912-C6F9-480B-9A98-8A941592F509}"/>
+                <a16:creationId xmlns:a16="http://schemas.microsoft.com/office/drawing/2014/main" id="{95B0A337-C27E-45BE-A87D-6578DC93B55D}"/>
               </a:ext>
             </a:extLst>
           </p:cNvPr>
@@ -2988,8 +2987,76 @@
         </p:nvSpPr>
         <p:spPr>
           <a:xfrm>
-            <a:off x="291000" y="4100315"/>
+            <a:off x="1213500" y="450082"/>
             <a:ext cx="1530000" cy="360000"/>
+          </a:xfrm>
+          <a:prstGeom prst="roundRect">
+            <a:avLst/>
+          </a:prstGeom>
+          <a:noFill/>
+          <a:ln w="38100">
+            <a:noFill/>
+          </a:ln>
+        </p:spPr>
+        <p:style>
+          <a:lnRef idx="2">
+            <a:schemeClr val="accent1">
+              <a:shade val="50000"/>
+            </a:schemeClr>
+          </a:lnRef>
+          <a:fillRef idx="1">
+            <a:schemeClr val="accent1"/>
+          </a:fillRef>
+          <a:effectRef idx="0">
+            <a:schemeClr val="accent1"/>
+          </a:effectRef>
+          <a:fontRef idx="minor">
+            <a:schemeClr val="lt1"/>
+          </a:fontRef>
+        </p:style>
+        <p:txBody>
+          <a:bodyPr wrap="none" lIns="0" tIns="0" rIns="0" bIns="0" rtlCol="0" anchor="ctr"/>
+          <a:lstStyle/>
+          <a:p>
+            <a:pPr algn="ctr"/>
+            <a:r>
+              <a:rPr lang="en-US" altLang="zh-CN" sz="1600" b="1">
+                <a:solidFill>
+                  <a:schemeClr val="tx1"/>
+                </a:solidFill>
+                <a:latin typeface="MS Reference Sans Serif" panose="020B0604030504040204" pitchFamily="34" charset="0"/>
+                <a:ea typeface="微软雅黑" panose="020B0503020204020204" pitchFamily="34" charset="-122"/>
+                <a:cs typeface="Microsoft Sans Serif" panose="020B0604020202020204" pitchFamily="34" charset="0"/>
+              </a:rPr>
+              <a:t>light</a:t>
+            </a:r>
+            <a:endParaRPr lang="zh-CN" altLang="en-US" sz="1600" b="1">
+              <a:solidFill>
+                <a:schemeClr val="tx1"/>
+              </a:solidFill>
+              <a:latin typeface="MS Reference Sans Serif" panose="020B0604030504040204" pitchFamily="34" charset="0"/>
+              <a:ea typeface="微软雅黑" panose="020B0503020204020204" pitchFamily="34" charset="-122"/>
+              <a:cs typeface="Microsoft Sans Serif" panose="020B0604020202020204" pitchFamily="34" charset="0"/>
+            </a:endParaRPr>
+          </a:p>
+        </p:txBody>
+      </p:sp>
+      <p:sp>
+        <p:nvSpPr>
+          <p:cNvPr id="6" name="矩形: 圆角 5">
+            <a:extLst>
+              <a:ext uri="{FF2B5EF4-FFF2-40B4-BE49-F238E27FC236}">
+                <a16:creationId xmlns:a16="http://schemas.microsoft.com/office/drawing/2014/main" id="{2CD6D1F5-5285-4F45-815D-3D3912BA5A11}"/>
+              </a:ext>
+            </a:extLst>
+          </p:cNvPr>
+          <p:cNvSpPr/>
+          <p:nvPr/>
+        </p:nvSpPr>
+        <p:spPr>
+          <a:xfrm>
+            <a:off x="3216000" y="809509"/>
+            <a:ext cx="1530000" cy="2790982"/>
           </a:xfrm>
           <a:prstGeom prst="roundRect">
             <a:avLst/>
@@ -3024,17 +3091,6 @@
           <a:lstStyle/>
           <a:p>
             <a:pPr algn="ctr"/>
-            <a:r>
-              <a:rPr lang="en-US" altLang="zh-CN" sz="1600">
-                <a:solidFill>
-                  <a:schemeClr val="tx1"/>
-                </a:solidFill>
-                <a:latin typeface="MS Reference Sans Serif" panose="020B0604030504040204" pitchFamily="34" charset="0"/>
-                <a:ea typeface="微软雅黑" panose="020B0503020204020204" pitchFamily="34" charset="-122"/>
-                <a:cs typeface="Calibri" panose="020F0502020204030204" pitchFamily="34" charset="0"/>
-              </a:rPr>
-              <a:t>6</a:t>
-            </a:r>
             <a:endParaRPr lang="zh-CN" altLang="en-US" sz="1600">
               <a:solidFill>
                 <a:schemeClr val="tx1"/>
@@ -3048,10 +3104,10 @@
       </p:sp>
       <p:sp>
         <p:nvSpPr>
-          <p:cNvPr id="5" name="矩形: 圆角 4">
+          <p:cNvPr id="7" name="矩形: 圆角 6">
             <a:extLst>
               <a:ext uri="{FF2B5EF4-FFF2-40B4-BE49-F238E27FC236}">
-                <a16:creationId xmlns:a16="http://schemas.microsoft.com/office/drawing/2014/main" id="{0EBB4577-A94F-47E9-9496-95178D2ADA60}"/>
+                <a16:creationId xmlns:a16="http://schemas.microsoft.com/office/drawing/2014/main" id="{929D11A1-96EB-4DCF-9594-9091606D6080}"/>
               </a:ext>
             </a:extLst>
           </p:cNvPr>
@@ -3060,80 +3116,8 @@
         </p:nvSpPr>
         <p:spPr>
           <a:xfrm>
-            <a:off x="291000" y="3351542"/>
-            <a:ext cx="1530000" cy="360000"/>
-          </a:xfrm>
-          <a:prstGeom prst="roundRect">
-            <a:avLst/>
-          </a:prstGeom>
-          <a:solidFill>
-            <a:srgbClr val="FFE2BB"/>
-          </a:solidFill>
-          <a:ln w="38100">
-            <a:solidFill>
-              <a:schemeClr val="tx1"/>
-            </a:solidFill>
-          </a:ln>
-        </p:spPr>
-        <p:style>
-          <a:lnRef idx="2">
-            <a:schemeClr val="accent1">
-              <a:shade val="50000"/>
-            </a:schemeClr>
-          </a:lnRef>
-          <a:fillRef idx="1">
-            <a:schemeClr val="accent1"/>
-          </a:fillRef>
-          <a:effectRef idx="0">
-            <a:schemeClr val="accent1"/>
-          </a:effectRef>
-          <a:fontRef idx="minor">
-            <a:schemeClr val="lt1"/>
-          </a:fontRef>
-        </p:style>
-        <p:txBody>
-          <a:bodyPr rtlCol="0" anchor="ctr"/>
-          <a:lstStyle/>
-          <a:p>
-            <a:pPr algn="ctr"/>
-            <a:r>
-              <a:rPr lang="en-US" altLang="zh-CN" sz="1600">
-                <a:solidFill>
-                  <a:schemeClr val="tx1"/>
-                </a:solidFill>
-                <a:latin typeface="MS Reference Sans Serif" panose="020B0604030504040204" pitchFamily="34" charset="0"/>
-                <a:ea typeface="微软雅黑" panose="020B0503020204020204" pitchFamily="34" charset="-122"/>
-                <a:cs typeface="Microsoft Sans Serif" panose="020B0604020202020204" pitchFamily="34" charset="0"/>
-              </a:rPr>
-              <a:t>5</a:t>
-            </a:r>
-            <a:endParaRPr lang="zh-CN" altLang="en-US" sz="1600">
-              <a:solidFill>
-                <a:schemeClr val="tx1"/>
-              </a:solidFill>
-              <a:latin typeface="MS Reference Sans Serif" panose="020B0604030504040204" pitchFamily="34" charset="0"/>
-              <a:ea typeface="微软雅黑" panose="020B0503020204020204" pitchFamily="34" charset="-122"/>
-              <a:cs typeface="Microsoft Sans Serif" panose="020B0604020202020204" pitchFamily="34" charset="0"/>
-            </a:endParaRPr>
-          </a:p>
-        </p:txBody>
-      </p:sp>
-      <p:sp>
-        <p:nvSpPr>
-          <p:cNvPr id="6" name="矩形: 圆角 5">
-            <a:extLst>
-              <a:ext uri="{FF2B5EF4-FFF2-40B4-BE49-F238E27FC236}">
-                <a16:creationId xmlns:a16="http://schemas.microsoft.com/office/drawing/2014/main" id="{B9F0C68B-7D52-4F87-8303-A2B4AF5B87A0}"/>
-              </a:ext>
-            </a:extLst>
-          </p:cNvPr>
-          <p:cNvSpPr/>
-          <p:nvPr/>
-        </p:nvSpPr>
-        <p:spPr>
-          <a:xfrm>
-            <a:off x="291000" y="1854000"/>
-            <a:ext cx="1530000" cy="360000"/>
+            <a:off x="1213500" y="826609"/>
+            <a:ext cx="1530000" cy="2790982"/>
           </a:xfrm>
           <a:prstGeom prst="roundRect">
             <a:avLst/>
@@ -3168,6 +3152,135 @@
           <a:lstStyle/>
           <a:p>
             <a:pPr algn="ctr"/>
+            <a:endParaRPr lang="zh-CN" altLang="en-US" sz="1600">
+              <a:solidFill>
+                <a:schemeClr val="tx1"/>
+              </a:solidFill>
+              <a:latin typeface="MS Reference Sans Serif" panose="020B0604030504040204" pitchFamily="34" charset="0"/>
+              <a:ea typeface="微软雅黑" panose="020B0503020204020204" pitchFamily="34" charset="-122"/>
+              <a:cs typeface="Microsoft Sans Serif" panose="020B0604020202020204" pitchFamily="34" charset="0"/>
+            </a:endParaRPr>
+          </a:p>
+        </p:txBody>
+      </p:sp>
+      <p:sp>
+        <p:nvSpPr>
+          <p:cNvPr id="8" name="矩形: 圆角 7">
+            <a:extLst>
+              <a:ext uri="{FF2B5EF4-FFF2-40B4-BE49-F238E27FC236}">
+                <a16:creationId xmlns:a16="http://schemas.microsoft.com/office/drawing/2014/main" id="{88815D4C-E43D-49D9-A48A-AE140C34169D}"/>
+              </a:ext>
+            </a:extLst>
+          </p:cNvPr>
+          <p:cNvSpPr/>
+          <p:nvPr/>
+        </p:nvSpPr>
+        <p:spPr>
+          <a:xfrm>
+            <a:off x="3216000" y="448527"/>
+            <a:ext cx="1530000" cy="360000"/>
+          </a:xfrm>
+          <a:prstGeom prst="roundRect">
+            <a:avLst/>
+          </a:prstGeom>
+          <a:noFill/>
+          <a:ln w="38100">
+            <a:noFill/>
+          </a:ln>
+        </p:spPr>
+        <p:style>
+          <a:lnRef idx="2">
+            <a:schemeClr val="accent1">
+              <a:shade val="50000"/>
+            </a:schemeClr>
+          </a:lnRef>
+          <a:fillRef idx="1">
+            <a:schemeClr val="accent1"/>
+          </a:fillRef>
+          <a:effectRef idx="0">
+            <a:schemeClr val="accent1"/>
+          </a:effectRef>
+          <a:fontRef idx="minor">
+            <a:schemeClr val="lt1"/>
+          </a:fontRef>
+        </p:style>
+        <p:txBody>
+          <a:bodyPr wrap="none" lIns="0" tIns="0" rIns="0" bIns="0" rtlCol="0" anchor="ctr"/>
+          <a:lstStyle/>
+          <a:p>
+            <a:pPr algn="ctr"/>
+            <a:r>
+              <a:rPr lang="en-US" altLang="zh-CN" sz="1600" b="1">
+                <a:solidFill>
+                  <a:schemeClr val="tx1"/>
+                </a:solidFill>
+                <a:latin typeface="MS Reference Sans Serif" panose="020B0604030504040204" pitchFamily="34" charset="0"/>
+                <a:ea typeface="微软雅黑" panose="020B0503020204020204" pitchFamily="34" charset="-122"/>
+                <a:cs typeface="Microsoft Sans Serif" panose="020B0604020202020204" pitchFamily="34" charset="0"/>
+              </a:rPr>
+              <a:t>alice</a:t>
+            </a:r>
+            <a:endParaRPr lang="zh-CN" altLang="en-US" sz="1600" b="1">
+              <a:solidFill>
+                <a:schemeClr val="tx1"/>
+              </a:solidFill>
+              <a:latin typeface="MS Reference Sans Serif" panose="020B0604030504040204" pitchFamily="34" charset="0"/>
+              <a:ea typeface="微软雅黑" panose="020B0503020204020204" pitchFamily="34" charset="-122"/>
+              <a:cs typeface="Microsoft Sans Serif" panose="020B0604020202020204" pitchFamily="34" charset="0"/>
+            </a:endParaRPr>
+          </a:p>
+        </p:txBody>
+      </p:sp>
+      <p:sp>
+        <p:nvSpPr>
+          <p:cNvPr id="9" name="矩形: 圆角 8">
+            <a:extLst>
+              <a:ext uri="{FF2B5EF4-FFF2-40B4-BE49-F238E27FC236}">
+                <a16:creationId xmlns:a16="http://schemas.microsoft.com/office/drawing/2014/main" id="{999A1394-E52F-40C0-9491-75B2DF869A92}"/>
+              </a:ext>
+            </a:extLst>
+          </p:cNvPr>
+          <p:cNvSpPr/>
+          <p:nvPr/>
+        </p:nvSpPr>
+        <p:spPr>
+          <a:xfrm>
+            <a:off x="1461000" y="1125000"/>
+            <a:ext cx="1035000" cy="360000"/>
+          </a:xfrm>
+          <a:prstGeom prst="roundRect">
+            <a:avLst/>
+          </a:prstGeom>
+          <a:solidFill>
+            <a:schemeClr val="bg1"/>
+          </a:solidFill>
+          <a:ln w="38100">
+            <a:solidFill>
+              <a:schemeClr val="tx1"/>
+            </a:solidFill>
+          </a:ln>
+        </p:spPr>
+        <p:style>
+          <a:lnRef idx="2">
+            <a:schemeClr val="accent1">
+              <a:shade val="50000"/>
+            </a:schemeClr>
+          </a:lnRef>
+          <a:fillRef idx="1">
+            <a:schemeClr val="accent1"/>
+          </a:fillRef>
+          <a:effectRef idx="0">
+            <a:schemeClr val="accent1"/>
+          </a:effectRef>
+          <a:fontRef idx="minor">
+            <a:schemeClr val="lt1"/>
+          </a:fontRef>
+        </p:style>
+        <p:txBody>
+          <a:bodyPr rtlCol="0" anchor="ctr"/>
+          <a:lstStyle/>
+          <a:p>
+            <a:pPr algn="ctr"/>
             <a:r>
               <a:rPr lang="en-US" altLang="zh-CN" sz="1600">
                 <a:solidFill>
@@ -3177,7 +3290,7 @@
                 <a:ea typeface="微软雅黑" panose="020B0503020204020204" pitchFamily="34" charset="-122"/>
                 <a:cs typeface="Microsoft Sans Serif" panose="020B0604020202020204" pitchFamily="34" charset="0"/>
               </a:rPr>
-              <a:t>4</a:t>
+              <a:t>light</a:t>
             </a:r>
             <a:endParaRPr lang="zh-CN" altLang="en-US" sz="1600">
               <a:solidFill>
@@ -3192,10 +3305,10 @@
       </p:sp>
       <p:sp>
         <p:nvSpPr>
-          <p:cNvPr id="7" name="矩形: 圆角 6">
+          <p:cNvPr id="10" name="矩形: 圆角 9">
             <a:extLst>
               <a:ext uri="{FF2B5EF4-FFF2-40B4-BE49-F238E27FC236}">
-                <a16:creationId xmlns:a16="http://schemas.microsoft.com/office/drawing/2014/main" id="{6FA98120-0F68-4636-B458-B335C46F77C5}"/>
+                <a16:creationId xmlns:a16="http://schemas.microsoft.com/office/drawing/2014/main" id="{EA5FDFFA-A539-4DAE-822A-9C76475A3677}"/>
               </a:ext>
             </a:extLst>
           </p:cNvPr>
@@ -3204,86 +3317,14 @@
         </p:nvSpPr>
         <p:spPr>
           <a:xfrm>
-            <a:off x="291000" y="2602771"/>
-            <a:ext cx="1530000" cy="360000"/>
+            <a:off x="3463500" y="1107654"/>
+            <a:ext cx="1035000" cy="360000"/>
           </a:xfrm>
           <a:prstGeom prst="roundRect">
             <a:avLst/>
           </a:prstGeom>
           <a:solidFill>
-            <a:srgbClr val="F1F3C0"/>
-          </a:solidFill>
-          <a:ln w="38100">
-            <a:solidFill>
-              <a:schemeClr val="tx1"/>
-            </a:solidFill>
-          </a:ln>
-        </p:spPr>
-        <p:style>
-          <a:lnRef idx="2">
-            <a:schemeClr val="accent1">
-              <a:shade val="50000"/>
-            </a:schemeClr>
-          </a:lnRef>
-          <a:fillRef idx="1">
-            <a:schemeClr val="accent1"/>
-          </a:fillRef>
-          <a:effectRef idx="0">
-            <a:schemeClr val="accent1"/>
-          </a:effectRef>
-          <a:fontRef idx="minor">
-            <a:schemeClr val="lt1"/>
-          </a:fontRef>
-        </p:style>
-        <p:txBody>
-          <a:bodyPr rtlCol="0" anchor="ctr"/>
-          <a:lstStyle/>
-          <a:p>
-            <a:pPr algn="ctr"/>
-            <a:r>
-              <a:rPr lang="en-US" altLang="zh-CN" sz="1600">
-                <a:solidFill>
-                  <a:schemeClr val="tx1"/>
-                </a:solidFill>
-                <a:latin typeface="微软雅黑" panose="020B0503020204020204" pitchFamily="34" charset="-122"/>
-                <a:ea typeface="微软雅黑" panose="020B0503020204020204" pitchFamily="34" charset="-122"/>
-                <a:cs typeface="Microsoft Sans Serif" panose="020B0604020202020204" pitchFamily="34" charset="0"/>
-              </a:rPr>
-              <a:t>3</a:t>
-            </a:r>
-            <a:endParaRPr lang="zh-CN" altLang="en-US" sz="1600">
-              <a:solidFill>
-                <a:schemeClr val="tx1"/>
-              </a:solidFill>
-              <a:latin typeface="微软雅黑" panose="020B0503020204020204" pitchFamily="34" charset="-122"/>
-              <a:ea typeface="微软雅黑" panose="020B0503020204020204" pitchFamily="34" charset="-122"/>
-              <a:cs typeface="Microsoft Sans Serif" panose="020B0604020202020204" pitchFamily="34" charset="0"/>
-            </a:endParaRPr>
-          </a:p>
-        </p:txBody>
-      </p:sp>
-      <p:sp>
-        <p:nvSpPr>
-          <p:cNvPr id="8" name="矩形: 圆角 7">
-            <a:extLst>
-              <a:ext uri="{FF2B5EF4-FFF2-40B4-BE49-F238E27FC236}">
-                <a16:creationId xmlns:a16="http://schemas.microsoft.com/office/drawing/2014/main" id="{39BC2D58-C16E-4A3B-BB17-129E2EFFDD1E}"/>
-              </a:ext>
-            </a:extLst>
-          </p:cNvPr>
-          <p:cNvSpPr/>
-          <p:nvPr/>
-        </p:nvSpPr>
-        <p:spPr>
-          <a:xfrm>
-            <a:off x="291000" y="1105229"/>
-            <a:ext cx="1530000" cy="360000"/>
-          </a:xfrm>
-          <a:prstGeom prst="roundRect">
-            <a:avLst/>
-          </a:prstGeom>
-          <a:solidFill>
-            <a:srgbClr val="DADEEE"/>
+            <a:schemeClr val="bg1"/>
           </a:solidFill>
           <a:ln w="38100">
             <a:solidFill>
@@ -3321,7 +3362,7 @@
                 <a:ea typeface="微软雅黑" panose="020B0503020204020204" pitchFamily="34" charset="-122"/>
                 <a:cs typeface="Microsoft Sans Serif" panose="020B0604020202020204" pitchFamily="34" charset="0"/>
               </a:rPr>
-              <a:t>2</a:t>
+              <a:t>alice</a:t>
             </a:r>
             <a:endParaRPr lang="zh-CN" altLang="en-US" sz="1600">
               <a:solidFill>
@@ -3336,10 +3377,10 @@
       </p:sp>
       <p:sp>
         <p:nvSpPr>
-          <p:cNvPr id="9" name="矩形: 圆角 8">
+          <p:cNvPr id="12" name="矩形: 圆角 11">
             <a:extLst>
               <a:ext uri="{FF2B5EF4-FFF2-40B4-BE49-F238E27FC236}">
-                <a16:creationId xmlns:a16="http://schemas.microsoft.com/office/drawing/2014/main" id="{0C6AA76C-8B1C-41D6-922A-475224126222}"/>
+                <a16:creationId xmlns:a16="http://schemas.microsoft.com/office/drawing/2014/main" id="{1B440CFA-E851-44D3-9D6A-2E81F94A38ED}"/>
               </a:ext>
             </a:extLst>
           </p:cNvPr>
@@ -3348,14 +3389,14 @@
         </p:nvSpPr>
         <p:spPr>
           <a:xfrm>
-            <a:off x="291000" y="356458"/>
-            <a:ext cx="1530000" cy="360000"/>
+            <a:off x="1461000" y="1696377"/>
+            <a:ext cx="1035000" cy="360000"/>
           </a:xfrm>
           <a:prstGeom prst="roundRect">
             <a:avLst/>
           </a:prstGeom>
           <a:solidFill>
-            <a:srgbClr val="CCE7CF"/>
+            <a:schemeClr val="bg1"/>
           </a:solidFill>
           <a:ln w="38100">
             <a:solidFill>
@@ -3393,7 +3434,7 @@
                 <a:ea typeface="微软雅黑" panose="020B0503020204020204" pitchFamily="34" charset="-122"/>
                 <a:cs typeface="Microsoft Sans Serif" panose="020B0604020202020204" pitchFamily="34" charset="0"/>
               </a:rPr>
-              <a:t>1</a:t>
+              <a:t>alice</a:t>
             </a:r>
             <a:endParaRPr lang="zh-CN" altLang="en-US" sz="1600">
               <a:solidFill>
@@ -3406,12 +3447,57 @@
           </a:p>
         </p:txBody>
       </p:sp>
-      <p:sp>
-        <p:nvSpPr>
-          <p:cNvPr id="12" name="矩形: 圆角 11">
+      <p:cxnSp>
+        <p:nvCxnSpPr>
+          <p:cNvPr id="13" name="直接箭头连接符 12">
             <a:extLst>
               <a:ext uri="{FF2B5EF4-FFF2-40B4-BE49-F238E27FC236}">
-                <a16:creationId xmlns:a16="http://schemas.microsoft.com/office/drawing/2014/main" id="{113BF76B-446C-4A97-A317-31A5288D15A7}"/>
+                <a16:creationId xmlns:a16="http://schemas.microsoft.com/office/drawing/2014/main" id="{5AF17FA4-CAEC-4A0F-A528-570BBD953B50}"/>
+              </a:ext>
+            </a:extLst>
+          </p:cNvPr>
+          <p:cNvCxnSpPr>
+            <a:cxnSpLocks/>
+            <a:endCxn id="12" idx="3"/>
+          </p:cNvCxnSpPr>
+          <p:nvPr/>
+        </p:nvCxnSpPr>
+        <p:spPr>
+          <a:xfrm flipH="1">
+            <a:off x="2496000" y="1260000"/>
+            <a:ext cx="967500" cy="616377"/>
+          </a:xfrm>
+          <a:prstGeom prst="straightConnector1">
+            <a:avLst/>
+          </a:prstGeom>
+          <a:ln w="38100">
+            <a:solidFill>
+              <a:srgbClr val="FF6600"/>
+            </a:solidFill>
+            <a:tailEnd type="triangle"/>
+          </a:ln>
+        </p:spPr>
+        <p:style>
+          <a:lnRef idx="1">
+            <a:schemeClr val="accent1"/>
+          </a:lnRef>
+          <a:fillRef idx="0">
+            <a:schemeClr val="accent1"/>
+          </a:fillRef>
+          <a:effectRef idx="0">
+            <a:schemeClr val="accent1"/>
+          </a:effectRef>
+          <a:fontRef idx="minor">
+            <a:schemeClr val="tx1"/>
+          </a:fontRef>
+        </p:style>
+      </p:cxnSp>
+      <p:sp>
+        <p:nvSpPr>
+          <p:cNvPr id="16" name="矩形: 圆角 15">
+            <a:extLst>
+              <a:ext uri="{FF2B5EF4-FFF2-40B4-BE49-F238E27FC236}">
+                <a16:creationId xmlns:a16="http://schemas.microsoft.com/office/drawing/2014/main" id="{0BB4724B-AE7D-44E0-85F3-E5E11F5969D3}"/>
               </a:ext>
             </a:extLst>
           </p:cNvPr>
@@ -3420,19 +3506,15 @@
         </p:nvSpPr>
         <p:spPr>
           <a:xfrm>
-            <a:off x="2271000" y="356458"/>
-            <a:ext cx="1530000" cy="360000"/>
+            <a:off x="1337250" y="3811868"/>
+            <a:ext cx="3285000" cy="360000"/>
           </a:xfrm>
           <a:prstGeom prst="roundRect">
             <a:avLst/>
           </a:prstGeom>
-          <a:solidFill>
-            <a:srgbClr val="CCE7CF"/>
-          </a:solidFill>
+          <a:noFill/>
           <a:ln w="38100">
-            <a:solidFill>
-              <a:schemeClr val="tx1"/>
-            </a:solidFill>
+            <a:noFill/>
           </a:ln>
         </p:spPr>
         <p:style>
@@ -3452,160 +3534,42 @@
           </a:fontRef>
         </p:style>
         <p:txBody>
-          <a:bodyPr rtlCol="0" anchor="ctr"/>
+          <a:bodyPr wrap="none" lIns="0" tIns="0" rIns="0" bIns="0" rtlCol="0" anchor="ctr"/>
           <a:lstStyle/>
           <a:p>
             <a:pPr algn="ctr"/>
             <a:r>
-              <a:rPr lang="zh-CN" altLang="en-US" sz="1600">
+              <a:rPr lang="en-US" altLang="zh-CN" sz="1600">
                 <a:solidFill>
-                  <a:schemeClr val="tx1"/>
+                  <a:schemeClr val="tx1">
+                    <a:lumMod val="95000"/>
+                    <a:lumOff val="5000"/>
+                  </a:schemeClr>
                 </a:solidFill>
-                <a:latin typeface="MS Reference Sans Serif" panose="020B0604030504040204" pitchFamily="34" charset="0"/>
+                <a:latin typeface="Consolas" panose="020B0609020204030204" pitchFamily="49" charset="0"/>
                 <a:ea typeface="微软雅黑" panose="020B0503020204020204" pitchFamily="34" charset="-122"/>
                 <a:cs typeface="Microsoft Sans Serif" panose="020B0604020202020204" pitchFamily="34" charset="0"/>
               </a:rPr>
-              <a:t>你好</a:t>
-            </a:r>
-          </a:p>
-        </p:txBody>
-      </p:sp>
-      <p:sp>
-        <p:nvSpPr>
-          <p:cNvPr id="13" name="矩形: 圆角 12">
-            <a:extLst>
-              <a:ext uri="{FF2B5EF4-FFF2-40B4-BE49-F238E27FC236}">
-                <a16:creationId xmlns:a16="http://schemas.microsoft.com/office/drawing/2014/main" id="{8A2F3D6B-4E7A-4D36-886B-662590679CDE}"/>
-              </a:ext>
-            </a:extLst>
-          </p:cNvPr>
-          <p:cNvSpPr/>
-          <p:nvPr/>
-        </p:nvSpPr>
-        <p:spPr>
-          <a:xfrm>
-            <a:off x="4251000" y="356458"/>
-            <a:ext cx="1530000" cy="360000"/>
-          </a:xfrm>
-          <a:prstGeom prst="roundRect">
-            <a:avLst/>
-          </a:prstGeom>
-          <a:solidFill>
-            <a:srgbClr val="CCE7CF"/>
-          </a:solidFill>
-          <a:ln w="38100">
-            <a:solidFill>
-              <a:schemeClr val="tx1"/>
-            </a:solidFill>
-          </a:ln>
-        </p:spPr>
-        <p:style>
-          <a:lnRef idx="2">
-            <a:schemeClr val="accent1">
-              <a:shade val="50000"/>
-            </a:schemeClr>
-          </a:lnRef>
-          <a:fillRef idx="1">
-            <a:schemeClr val="accent1"/>
-          </a:fillRef>
-          <a:effectRef idx="0">
-            <a:schemeClr val="accent1"/>
-          </a:effectRef>
-          <a:fontRef idx="minor">
-            <a:schemeClr val="lt1"/>
-          </a:fontRef>
-        </p:style>
-        <p:txBody>
-          <a:bodyPr rtlCol="0" anchor="ctr"/>
-          <a:lstStyle/>
-          <a:p>
-            <a:pPr algn="ctr"/>
-            <a:r>
-              <a:rPr lang="en-US" altLang="zh-CN" sz="1600">
-                <a:solidFill>
-                  <a:schemeClr val="tx1"/>
-                </a:solidFill>
-                <a:latin typeface="MS Reference Sans Serif" panose="020B0604030504040204" pitchFamily="34" charset="0"/>
-                <a:ea typeface="微软雅黑" panose="020B0503020204020204" pitchFamily="34" charset="-122"/>
-                <a:cs typeface="Microsoft Sans Serif" panose="020B0604020202020204" pitchFamily="34" charset="0"/>
-              </a:rPr>
-              <a:t>hello</a:t>
+              <a:t>sudo groups –a alice light</a:t>
             </a:r>
             <a:endParaRPr lang="zh-CN" altLang="en-US" sz="1600">
               <a:solidFill>
-                <a:schemeClr val="tx1"/>
+                <a:schemeClr val="tx1">
+                  <a:lumMod val="95000"/>
+                  <a:lumOff val="5000"/>
+                </a:schemeClr>
               </a:solidFill>
-              <a:latin typeface="MS Reference Sans Serif" panose="020B0604030504040204" pitchFamily="34" charset="0"/>
+              <a:latin typeface="Consolas" panose="020B0609020204030204" pitchFamily="49" charset="0"/>
               <a:ea typeface="微软雅黑" panose="020B0503020204020204" pitchFamily="34" charset="-122"/>
               <a:cs typeface="Microsoft Sans Serif" panose="020B0604020202020204" pitchFamily="34" charset="0"/>
             </a:endParaRPr>
           </a:p>
         </p:txBody>
       </p:sp>
-      <p:sp>
-        <p:nvSpPr>
-          <p:cNvPr id="10" name="矩形: 圆角 9">
-            <a:extLst>
-              <a:ext uri="{FF2B5EF4-FFF2-40B4-BE49-F238E27FC236}">
-                <a16:creationId xmlns:a16="http://schemas.microsoft.com/office/drawing/2014/main" id="{87FCE341-F18E-42D3-921B-D15981D27A51}"/>
-              </a:ext>
-            </a:extLst>
-          </p:cNvPr>
-          <p:cNvSpPr/>
-          <p:nvPr/>
-        </p:nvSpPr>
-        <p:spPr>
-          <a:xfrm>
-            <a:off x="291000" y="4849088"/>
-            <a:ext cx="1530000" cy="360000"/>
-          </a:xfrm>
-          <a:prstGeom prst="roundRect">
-            <a:avLst/>
-          </a:prstGeom>
-          <a:noFill/>
-          <a:ln w="38100">
-            <a:noFill/>
-          </a:ln>
-        </p:spPr>
-        <p:style>
-          <a:lnRef idx="2">
-            <a:schemeClr val="accent1">
-              <a:shade val="50000"/>
-            </a:schemeClr>
-          </a:lnRef>
-          <a:fillRef idx="1">
-            <a:schemeClr val="accent1"/>
-          </a:fillRef>
-          <a:effectRef idx="0">
-            <a:schemeClr val="accent1"/>
-          </a:effectRef>
-          <a:fontRef idx="minor">
-            <a:schemeClr val="lt1"/>
-          </a:fontRef>
-        </p:style>
-        <p:txBody>
-          <a:bodyPr wrap="none" lIns="0" tIns="0" rIns="0" bIns="0" rtlCol="0" anchor="ctr"/>
-          <a:lstStyle/>
-          <a:p>
-            <a:pPr algn="ctr"/>
-            <a:r>
-              <a:rPr lang="zh-CN" altLang="en-US" sz="1600">
-                <a:solidFill>
-                  <a:schemeClr val="tx1"/>
-                </a:solidFill>
-                <a:latin typeface="MS Reference Sans Serif" panose="020B0604030504040204" pitchFamily="34" charset="0"/>
-                <a:ea typeface="微软雅黑" panose="020B0503020204020204" pitchFamily="34" charset="-122"/>
-                <a:cs typeface="Microsoft Sans Serif" panose="020B0604020202020204" pitchFamily="34" charset="0"/>
-              </a:rPr>
-              <a:t>文本框</a:t>
-            </a:r>
-          </a:p>
-        </p:txBody>
-      </p:sp>
     </p:spTree>
     <p:extLst>
       <p:ext uri="{BB962C8B-B14F-4D97-AF65-F5344CB8AC3E}">
-        <p14:creationId xmlns:p14="http://schemas.microsoft.com/office/powerpoint/2010/main" val="2530098002"/>
+        <p14:creationId xmlns:p14="http://schemas.microsoft.com/office/powerpoint/2010/main" val="4174966634"/>
       </p:ext>
     </p:extLst>
   </p:cSld>
@@ -3634,659 +3598,6 @@
       </p:grpSpPr>
       <p:sp>
         <p:nvSpPr>
-          <p:cNvPr id="5" name="矩形: 圆角 4">
-            <a:extLst>
-              <a:ext uri="{FF2B5EF4-FFF2-40B4-BE49-F238E27FC236}">
-                <a16:creationId xmlns:a16="http://schemas.microsoft.com/office/drawing/2014/main" id="{95B0A337-C27E-45BE-A87D-6578DC93B55D}"/>
-              </a:ext>
-            </a:extLst>
-          </p:cNvPr>
-          <p:cNvSpPr/>
-          <p:nvPr/>
-        </p:nvSpPr>
-        <p:spPr>
-          <a:xfrm>
-            <a:off x="1213500" y="450082"/>
-            <a:ext cx="1530000" cy="360000"/>
-          </a:xfrm>
-          <a:prstGeom prst="roundRect">
-            <a:avLst/>
-          </a:prstGeom>
-          <a:noFill/>
-          <a:ln w="38100">
-            <a:noFill/>
-          </a:ln>
-        </p:spPr>
-        <p:style>
-          <a:lnRef idx="2">
-            <a:schemeClr val="accent1">
-              <a:shade val="50000"/>
-            </a:schemeClr>
-          </a:lnRef>
-          <a:fillRef idx="1">
-            <a:schemeClr val="accent1"/>
-          </a:fillRef>
-          <a:effectRef idx="0">
-            <a:schemeClr val="accent1"/>
-          </a:effectRef>
-          <a:fontRef idx="minor">
-            <a:schemeClr val="lt1"/>
-          </a:fontRef>
-        </p:style>
-        <p:txBody>
-          <a:bodyPr wrap="none" lIns="0" tIns="0" rIns="0" bIns="0" rtlCol="0" anchor="ctr"/>
-          <a:lstStyle/>
-          <a:p>
-            <a:pPr algn="ctr"/>
-            <a:r>
-              <a:rPr lang="en-US" altLang="zh-CN" sz="1600" b="1">
-                <a:solidFill>
-                  <a:schemeClr val="tx1"/>
-                </a:solidFill>
-                <a:latin typeface="MS Reference Sans Serif" panose="020B0604030504040204" pitchFamily="34" charset="0"/>
-                <a:ea typeface="微软雅黑" panose="020B0503020204020204" pitchFamily="34" charset="-122"/>
-                <a:cs typeface="Microsoft Sans Serif" panose="020B0604020202020204" pitchFamily="34" charset="0"/>
-              </a:rPr>
-              <a:t>light</a:t>
-            </a:r>
-            <a:endParaRPr lang="zh-CN" altLang="en-US" sz="1600" b="1">
-              <a:solidFill>
-                <a:schemeClr val="tx1"/>
-              </a:solidFill>
-              <a:latin typeface="MS Reference Sans Serif" panose="020B0604030504040204" pitchFamily="34" charset="0"/>
-              <a:ea typeface="微软雅黑" panose="020B0503020204020204" pitchFamily="34" charset="-122"/>
-              <a:cs typeface="Microsoft Sans Serif" panose="020B0604020202020204" pitchFamily="34" charset="0"/>
-            </a:endParaRPr>
-          </a:p>
-        </p:txBody>
-      </p:sp>
-      <p:sp>
-        <p:nvSpPr>
-          <p:cNvPr id="6" name="矩形: 圆角 5">
-            <a:extLst>
-              <a:ext uri="{FF2B5EF4-FFF2-40B4-BE49-F238E27FC236}">
-                <a16:creationId xmlns:a16="http://schemas.microsoft.com/office/drawing/2014/main" id="{2CD6D1F5-5285-4F45-815D-3D3912BA5A11}"/>
-              </a:ext>
-            </a:extLst>
-          </p:cNvPr>
-          <p:cNvSpPr/>
-          <p:nvPr/>
-        </p:nvSpPr>
-        <p:spPr>
-          <a:xfrm>
-            <a:off x="3216000" y="809509"/>
-            <a:ext cx="1530000" cy="2790982"/>
-          </a:xfrm>
-          <a:prstGeom prst="roundRect">
-            <a:avLst/>
-          </a:prstGeom>
-          <a:solidFill>
-            <a:srgbClr val="FCE0E1"/>
-          </a:solidFill>
-          <a:ln w="38100">
-            <a:solidFill>
-              <a:schemeClr val="tx1"/>
-            </a:solidFill>
-          </a:ln>
-        </p:spPr>
-        <p:style>
-          <a:lnRef idx="2">
-            <a:schemeClr val="accent1">
-              <a:shade val="50000"/>
-            </a:schemeClr>
-          </a:lnRef>
-          <a:fillRef idx="1">
-            <a:schemeClr val="accent1"/>
-          </a:fillRef>
-          <a:effectRef idx="0">
-            <a:schemeClr val="accent1"/>
-          </a:effectRef>
-          <a:fontRef idx="minor">
-            <a:schemeClr val="lt1"/>
-          </a:fontRef>
-        </p:style>
-        <p:txBody>
-          <a:bodyPr rtlCol="0" anchor="ctr"/>
-          <a:lstStyle/>
-          <a:p>
-            <a:pPr algn="ctr"/>
-            <a:endParaRPr lang="zh-CN" altLang="en-US" sz="1600">
-              <a:solidFill>
-                <a:schemeClr val="tx1"/>
-              </a:solidFill>
-              <a:latin typeface="MS Reference Sans Serif" panose="020B0604030504040204" pitchFamily="34" charset="0"/>
-              <a:ea typeface="微软雅黑" panose="020B0503020204020204" pitchFamily="34" charset="-122"/>
-              <a:cs typeface="Calibri" panose="020F0502020204030204" pitchFamily="34" charset="0"/>
-            </a:endParaRPr>
-          </a:p>
-        </p:txBody>
-      </p:sp>
-      <p:sp>
-        <p:nvSpPr>
-          <p:cNvPr id="7" name="矩形: 圆角 6">
-            <a:extLst>
-              <a:ext uri="{FF2B5EF4-FFF2-40B4-BE49-F238E27FC236}">
-                <a16:creationId xmlns:a16="http://schemas.microsoft.com/office/drawing/2014/main" id="{929D11A1-96EB-4DCF-9594-9091606D6080}"/>
-              </a:ext>
-            </a:extLst>
-          </p:cNvPr>
-          <p:cNvSpPr/>
-          <p:nvPr/>
-        </p:nvSpPr>
-        <p:spPr>
-          <a:xfrm>
-            <a:off x="1213500" y="826609"/>
-            <a:ext cx="1530000" cy="2790982"/>
-          </a:xfrm>
-          <a:prstGeom prst="roundRect">
-            <a:avLst/>
-          </a:prstGeom>
-          <a:solidFill>
-            <a:srgbClr val="C1E7F6"/>
-          </a:solidFill>
-          <a:ln w="38100">
-            <a:solidFill>
-              <a:schemeClr val="tx1"/>
-            </a:solidFill>
-          </a:ln>
-        </p:spPr>
-        <p:style>
-          <a:lnRef idx="2">
-            <a:schemeClr val="accent1">
-              <a:shade val="50000"/>
-            </a:schemeClr>
-          </a:lnRef>
-          <a:fillRef idx="1">
-            <a:schemeClr val="accent1"/>
-          </a:fillRef>
-          <a:effectRef idx="0">
-            <a:schemeClr val="accent1"/>
-          </a:effectRef>
-          <a:fontRef idx="minor">
-            <a:schemeClr val="lt1"/>
-          </a:fontRef>
-        </p:style>
-        <p:txBody>
-          <a:bodyPr rtlCol="0" anchor="ctr"/>
-          <a:lstStyle/>
-          <a:p>
-            <a:pPr algn="ctr"/>
-            <a:endParaRPr lang="zh-CN" altLang="en-US" sz="1600">
-              <a:solidFill>
-                <a:schemeClr val="tx1"/>
-              </a:solidFill>
-              <a:latin typeface="MS Reference Sans Serif" panose="020B0604030504040204" pitchFamily="34" charset="0"/>
-              <a:ea typeface="微软雅黑" panose="020B0503020204020204" pitchFamily="34" charset="-122"/>
-              <a:cs typeface="Microsoft Sans Serif" panose="020B0604020202020204" pitchFamily="34" charset="0"/>
-            </a:endParaRPr>
-          </a:p>
-        </p:txBody>
-      </p:sp>
-      <p:sp>
-        <p:nvSpPr>
-          <p:cNvPr id="8" name="矩形: 圆角 7">
-            <a:extLst>
-              <a:ext uri="{FF2B5EF4-FFF2-40B4-BE49-F238E27FC236}">
-                <a16:creationId xmlns:a16="http://schemas.microsoft.com/office/drawing/2014/main" id="{88815D4C-E43D-49D9-A48A-AE140C34169D}"/>
-              </a:ext>
-            </a:extLst>
-          </p:cNvPr>
-          <p:cNvSpPr/>
-          <p:nvPr/>
-        </p:nvSpPr>
-        <p:spPr>
-          <a:xfrm>
-            <a:off x="3216000" y="448527"/>
-            <a:ext cx="1530000" cy="360000"/>
-          </a:xfrm>
-          <a:prstGeom prst="roundRect">
-            <a:avLst/>
-          </a:prstGeom>
-          <a:noFill/>
-          <a:ln w="38100">
-            <a:noFill/>
-          </a:ln>
-        </p:spPr>
-        <p:style>
-          <a:lnRef idx="2">
-            <a:schemeClr val="accent1">
-              <a:shade val="50000"/>
-            </a:schemeClr>
-          </a:lnRef>
-          <a:fillRef idx="1">
-            <a:schemeClr val="accent1"/>
-          </a:fillRef>
-          <a:effectRef idx="0">
-            <a:schemeClr val="accent1"/>
-          </a:effectRef>
-          <a:fontRef idx="minor">
-            <a:schemeClr val="lt1"/>
-          </a:fontRef>
-        </p:style>
-        <p:txBody>
-          <a:bodyPr wrap="none" lIns="0" tIns="0" rIns="0" bIns="0" rtlCol="0" anchor="ctr"/>
-          <a:lstStyle/>
-          <a:p>
-            <a:pPr algn="ctr"/>
-            <a:r>
-              <a:rPr lang="en-US" altLang="zh-CN" sz="1600" b="1">
-                <a:solidFill>
-                  <a:schemeClr val="tx1"/>
-                </a:solidFill>
-                <a:latin typeface="MS Reference Sans Serif" panose="020B0604030504040204" pitchFamily="34" charset="0"/>
-                <a:ea typeface="微软雅黑" panose="020B0503020204020204" pitchFamily="34" charset="-122"/>
-                <a:cs typeface="Microsoft Sans Serif" panose="020B0604020202020204" pitchFamily="34" charset="0"/>
-              </a:rPr>
-              <a:t>alice</a:t>
-            </a:r>
-            <a:endParaRPr lang="zh-CN" altLang="en-US" sz="1600" b="1">
-              <a:solidFill>
-                <a:schemeClr val="tx1"/>
-              </a:solidFill>
-              <a:latin typeface="MS Reference Sans Serif" panose="020B0604030504040204" pitchFamily="34" charset="0"/>
-              <a:ea typeface="微软雅黑" panose="020B0503020204020204" pitchFamily="34" charset="-122"/>
-              <a:cs typeface="Microsoft Sans Serif" panose="020B0604020202020204" pitchFamily="34" charset="0"/>
-            </a:endParaRPr>
-          </a:p>
-        </p:txBody>
-      </p:sp>
-      <p:sp>
-        <p:nvSpPr>
-          <p:cNvPr id="9" name="矩形: 圆角 8">
-            <a:extLst>
-              <a:ext uri="{FF2B5EF4-FFF2-40B4-BE49-F238E27FC236}">
-                <a16:creationId xmlns:a16="http://schemas.microsoft.com/office/drawing/2014/main" id="{999A1394-E52F-40C0-9491-75B2DF869A92}"/>
-              </a:ext>
-            </a:extLst>
-          </p:cNvPr>
-          <p:cNvSpPr/>
-          <p:nvPr/>
-        </p:nvSpPr>
-        <p:spPr>
-          <a:xfrm>
-            <a:off x="1461000" y="1125000"/>
-            <a:ext cx="1035000" cy="360000"/>
-          </a:xfrm>
-          <a:prstGeom prst="roundRect">
-            <a:avLst/>
-          </a:prstGeom>
-          <a:solidFill>
-            <a:schemeClr val="bg1"/>
-          </a:solidFill>
-          <a:ln w="38100">
-            <a:solidFill>
-              <a:schemeClr val="tx1"/>
-            </a:solidFill>
-          </a:ln>
-        </p:spPr>
-        <p:style>
-          <a:lnRef idx="2">
-            <a:schemeClr val="accent1">
-              <a:shade val="50000"/>
-            </a:schemeClr>
-          </a:lnRef>
-          <a:fillRef idx="1">
-            <a:schemeClr val="accent1"/>
-          </a:fillRef>
-          <a:effectRef idx="0">
-            <a:schemeClr val="accent1"/>
-          </a:effectRef>
-          <a:fontRef idx="minor">
-            <a:schemeClr val="lt1"/>
-          </a:fontRef>
-        </p:style>
-        <p:txBody>
-          <a:bodyPr rtlCol="0" anchor="ctr"/>
-          <a:lstStyle/>
-          <a:p>
-            <a:pPr algn="ctr"/>
-            <a:r>
-              <a:rPr lang="en-US" altLang="zh-CN" sz="1600">
-                <a:solidFill>
-                  <a:schemeClr val="tx1"/>
-                </a:solidFill>
-                <a:latin typeface="MS Reference Sans Serif" panose="020B0604030504040204" pitchFamily="34" charset="0"/>
-                <a:ea typeface="微软雅黑" panose="020B0503020204020204" pitchFamily="34" charset="-122"/>
-                <a:cs typeface="Microsoft Sans Serif" panose="020B0604020202020204" pitchFamily="34" charset="0"/>
-              </a:rPr>
-              <a:t>light</a:t>
-            </a:r>
-            <a:endParaRPr lang="zh-CN" altLang="en-US" sz="1600">
-              <a:solidFill>
-                <a:schemeClr val="tx1"/>
-              </a:solidFill>
-              <a:latin typeface="MS Reference Sans Serif" panose="020B0604030504040204" pitchFamily="34" charset="0"/>
-              <a:ea typeface="微软雅黑" panose="020B0503020204020204" pitchFamily="34" charset="-122"/>
-              <a:cs typeface="Microsoft Sans Serif" panose="020B0604020202020204" pitchFamily="34" charset="0"/>
-            </a:endParaRPr>
-          </a:p>
-        </p:txBody>
-      </p:sp>
-      <p:sp>
-        <p:nvSpPr>
-          <p:cNvPr id="10" name="矩形: 圆角 9">
-            <a:extLst>
-              <a:ext uri="{FF2B5EF4-FFF2-40B4-BE49-F238E27FC236}">
-                <a16:creationId xmlns:a16="http://schemas.microsoft.com/office/drawing/2014/main" id="{EA5FDFFA-A539-4DAE-822A-9C76475A3677}"/>
-              </a:ext>
-            </a:extLst>
-          </p:cNvPr>
-          <p:cNvSpPr/>
-          <p:nvPr/>
-        </p:nvSpPr>
-        <p:spPr>
-          <a:xfrm>
-            <a:off x="3463500" y="1107654"/>
-            <a:ext cx="1035000" cy="360000"/>
-          </a:xfrm>
-          <a:prstGeom prst="roundRect">
-            <a:avLst/>
-          </a:prstGeom>
-          <a:solidFill>
-            <a:schemeClr val="bg1"/>
-          </a:solidFill>
-          <a:ln w="38100">
-            <a:solidFill>
-              <a:schemeClr val="tx1"/>
-            </a:solidFill>
-          </a:ln>
-        </p:spPr>
-        <p:style>
-          <a:lnRef idx="2">
-            <a:schemeClr val="accent1">
-              <a:shade val="50000"/>
-            </a:schemeClr>
-          </a:lnRef>
-          <a:fillRef idx="1">
-            <a:schemeClr val="accent1"/>
-          </a:fillRef>
-          <a:effectRef idx="0">
-            <a:schemeClr val="accent1"/>
-          </a:effectRef>
-          <a:fontRef idx="minor">
-            <a:schemeClr val="lt1"/>
-          </a:fontRef>
-        </p:style>
-        <p:txBody>
-          <a:bodyPr rtlCol="0" anchor="ctr"/>
-          <a:lstStyle/>
-          <a:p>
-            <a:pPr algn="ctr"/>
-            <a:r>
-              <a:rPr lang="en-US" altLang="zh-CN" sz="1600">
-                <a:solidFill>
-                  <a:schemeClr val="tx1"/>
-                </a:solidFill>
-                <a:latin typeface="MS Reference Sans Serif" panose="020B0604030504040204" pitchFamily="34" charset="0"/>
-                <a:ea typeface="微软雅黑" panose="020B0503020204020204" pitchFamily="34" charset="-122"/>
-                <a:cs typeface="Microsoft Sans Serif" panose="020B0604020202020204" pitchFamily="34" charset="0"/>
-              </a:rPr>
-              <a:t>alice</a:t>
-            </a:r>
-            <a:endParaRPr lang="zh-CN" altLang="en-US" sz="1600">
-              <a:solidFill>
-                <a:schemeClr val="tx1"/>
-              </a:solidFill>
-              <a:latin typeface="MS Reference Sans Serif" panose="020B0604030504040204" pitchFamily="34" charset="0"/>
-              <a:ea typeface="微软雅黑" panose="020B0503020204020204" pitchFamily="34" charset="-122"/>
-              <a:cs typeface="Microsoft Sans Serif" panose="020B0604020202020204" pitchFamily="34" charset="0"/>
-            </a:endParaRPr>
-          </a:p>
-        </p:txBody>
-      </p:sp>
-      <p:sp>
-        <p:nvSpPr>
-          <p:cNvPr id="12" name="矩形: 圆角 11">
-            <a:extLst>
-              <a:ext uri="{FF2B5EF4-FFF2-40B4-BE49-F238E27FC236}">
-                <a16:creationId xmlns:a16="http://schemas.microsoft.com/office/drawing/2014/main" id="{1B440CFA-E851-44D3-9D6A-2E81F94A38ED}"/>
-              </a:ext>
-            </a:extLst>
-          </p:cNvPr>
-          <p:cNvSpPr/>
-          <p:nvPr/>
-        </p:nvSpPr>
-        <p:spPr>
-          <a:xfrm>
-            <a:off x="1461000" y="1696377"/>
-            <a:ext cx="1035000" cy="360000"/>
-          </a:xfrm>
-          <a:prstGeom prst="roundRect">
-            <a:avLst/>
-          </a:prstGeom>
-          <a:solidFill>
-            <a:schemeClr val="bg1"/>
-          </a:solidFill>
-          <a:ln w="38100">
-            <a:solidFill>
-              <a:schemeClr val="tx1"/>
-            </a:solidFill>
-          </a:ln>
-        </p:spPr>
-        <p:style>
-          <a:lnRef idx="2">
-            <a:schemeClr val="accent1">
-              <a:shade val="50000"/>
-            </a:schemeClr>
-          </a:lnRef>
-          <a:fillRef idx="1">
-            <a:schemeClr val="accent1"/>
-          </a:fillRef>
-          <a:effectRef idx="0">
-            <a:schemeClr val="accent1"/>
-          </a:effectRef>
-          <a:fontRef idx="minor">
-            <a:schemeClr val="lt1"/>
-          </a:fontRef>
-        </p:style>
-        <p:txBody>
-          <a:bodyPr rtlCol="0" anchor="ctr"/>
-          <a:lstStyle/>
-          <a:p>
-            <a:pPr algn="ctr"/>
-            <a:r>
-              <a:rPr lang="en-US" altLang="zh-CN" sz="1600">
-                <a:solidFill>
-                  <a:schemeClr val="tx1"/>
-                </a:solidFill>
-                <a:latin typeface="MS Reference Sans Serif" panose="020B0604030504040204" pitchFamily="34" charset="0"/>
-                <a:ea typeface="微软雅黑" panose="020B0503020204020204" pitchFamily="34" charset="-122"/>
-                <a:cs typeface="Microsoft Sans Serif" panose="020B0604020202020204" pitchFamily="34" charset="0"/>
-              </a:rPr>
-              <a:t>alice</a:t>
-            </a:r>
-            <a:endParaRPr lang="zh-CN" altLang="en-US" sz="1600">
-              <a:solidFill>
-                <a:schemeClr val="tx1"/>
-              </a:solidFill>
-              <a:latin typeface="MS Reference Sans Serif" panose="020B0604030504040204" pitchFamily="34" charset="0"/>
-              <a:ea typeface="微软雅黑" panose="020B0503020204020204" pitchFamily="34" charset="-122"/>
-              <a:cs typeface="Microsoft Sans Serif" panose="020B0604020202020204" pitchFamily="34" charset="0"/>
-            </a:endParaRPr>
-          </a:p>
-        </p:txBody>
-      </p:sp>
-      <p:cxnSp>
-        <p:nvCxnSpPr>
-          <p:cNvPr id="13" name="直接箭头连接符 12">
-            <a:extLst>
-              <a:ext uri="{FF2B5EF4-FFF2-40B4-BE49-F238E27FC236}">
-                <a16:creationId xmlns:a16="http://schemas.microsoft.com/office/drawing/2014/main" id="{5AF17FA4-CAEC-4A0F-A528-570BBD953B50}"/>
-              </a:ext>
-            </a:extLst>
-          </p:cNvPr>
-          <p:cNvCxnSpPr>
-            <a:cxnSpLocks/>
-            <a:endCxn id="12" idx="3"/>
-          </p:cNvCxnSpPr>
-          <p:nvPr/>
-        </p:nvCxnSpPr>
-        <p:spPr>
-          <a:xfrm flipH="1">
-            <a:off x="2496000" y="1260000"/>
-            <a:ext cx="967500" cy="616377"/>
-          </a:xfrm>
-          <a:prstGeom prst="straightConnector1">
-            <a:avLst/>
-          </a:prstGeom>
-          <a:ln w="38100">
-            <a:solidFill>
-              <a:srgbClr val="FF6600"/>
-            </a:solidFill>
-            <a:tailEnd type="triangle"/>
-          </a:ln>
-        </p:spPr>
-        <p:style>
-          <a:lnRef idx="1">
-            <a:schemeClr val="accent1"/>
-          </a:lnRef>
-          <a:fillRef idx="0">
-            <a:schemeClr val="accent1"/>
-          </a:fillRef>
-          <a:effectRef idx="0">
-            <a:schemeClr val="accent1"/>
-          </a:effectRef>
-          <a:fontRef idx="minor">
-            <a:schemeClr val="tx1"/>
-          </a:fontRef>
-        </p:style>
-      </p:cxnSp>
-      <p:sp>
-        <p:nvSpPr>
-          <p:cNvPr id="16" name="矩形: 圆角 15">
-            <a:extLst>
-              <a:ext uri="{FF2B5EF4-FFF2-40B4-BE49-F238E27FC236}">
-                <a16:creationId xmlns:a16="http://schemas.microsoft.com/office/drawing/2014/main" id="{0BB4724B-AE7D-44E0-85F3-E5E11F5969D3}"/>
-              </a:ext>
-            </a:extLst>
-          </p:cNvPr>
-          <p:cNvSpPr/>
-          <p:nvPr/>
-        </p:nvSpPr>
-        <p:spPr>
-          <a:xfrm>
-            <a:off x="1337250" y="3811868"/>
-            <a:ext cx="3285000" cy="360000"/>
-          </a:xfrm>
-          <a:prstGeom prst="roundRect">
-            <a:avLst/>
-          </a:prstGeom>
-          <a:noFill/>
-          <a:ln w="38100">
-            <a:noFill/>
-          </a:ln>
-        </p:spPr>
-        <p:style>
-          <a:lnRef idx="2">
-            <a:schemeClr val="accent1">
-              <a:shade val="50000"/>
-            </a:schemeClr>
-          </a:lnRef>
-          <a:fillRef idx="1">
-            <a:schemeClr val="accent1"/>
-          </a:fillRef>
-          <a:effectRef idx="0">
-            <a:schemeClr val="accent1"/>
-          </a:effectRef>
-          <a:fontRef idx="minor">
-            <a:schemeClr val="lt1"/>
-          </a:fontRef>
-        </p:style>
-        <p:txBody>
-          <a:bodyPr wrap="none" lIns="0" tIns="0" rIns="0" bIns="0" rtlCol="0" anchor="ctr"/>
-          <a:lstStyle/>
-          <a:p>
-            <a:pPr algn="ctr"/>
-            <a:r>
-              <a:rPr lang="en-US" altLang="zh-CN" sz="1600">
-                <a:solidFill>
-                  <a:schemeClr val="tx1">
-                    <a:lumMod val="95000"/>
-                    <a:lumOff val="5000"/>
-                  </a:schemeClr>
-                </a:solidFill>
-                <a:latin typeface="Consolas" panose="020B0609020204030204" pitchFamily="49" charset="0"/>
-                <a:ea typeface="微软雅黑" panose="020B0503020204020204" pitchFamily="34" charset="-122"/>
-                <a:cs typeface="Microsoft Sans Serif" panose="020B0604020202020204" pitchFamily="34" charset="0"/>
-              </a:rPr>
-              <a:t>sudo groups –a alice light</a:t>
-            </a:r>
-            <a:endParaRPr lang="zh-CN" altLang="en-US" sz="1600">
-              <a:solidFill>
-                <a:schemeClr val="tx1">
-                  <a:lumMod val="95000"/>
-                  <a:lumOff val="5000"/>
-                </a:schemeClr>
-              </a:solidFill>
-              <a:latin typeface="Consolas" panose="020B0609020204030204" pitchFamily="49" charset="0"/>
-              <a:ea typeface="微软雅黑" panose="020B0503020204020204" pitchFamily="34" charset="-122"/>
-              <a:cs typeface="Microsoft Sans Serif" panose="020B0604020202020204" pitchFamily="34" charset="0"/>
-            </a:endParaRPr>
-          </a:p>
-        </p:txBody>
-      </p:sp>
-      <p:pic>
-        <p:nvPicPr>
-          <p:cNvPr id="17" name="图片 16">
-            <a:extLst>
-              <a:ext uri="{FF2B5EF4-FFF2-40B4-BE49-F238E27FC236}">
-                <a16:creationId xmlns:a16="http://schemas.microsoft.com/office/drawing/2014/main" id="{3762F960-F176-437C-9837-56D1345E5BFB}"/>
-              </a:ext>
-            </a:extLst>
-          </p:cNvPr>
-          <p:cNvPicPr>
-            <a:picLocks noChangeAspect="1"/>
-          </p:cNvPicPr>
-          <p:nvPr/>
-        </p:nvPicPr>
-        <p:blipFill>
-          <a:blip r:embed="rId2"/>
-          <a:stretch>
-            <a:fillRect/>
-          </a:stretch>
-        </p:blipFill>
-        <p:spPr>
-          <a:xfrm>
-            <a:off x="10118166" y="0"/>
-            <a:ext cx="2073834" cy="2205000"/>
-          </a:xfrm>
-          <a:prstGeom prst="rect">
-            <a:avLst/>
-          </a:prstGeom>
-        </p:spPr>
-      </p:pic>
-    </p:spTree>
-    <p:extLst>
-      <p:ext uri="{BB962C8B-B14F-4D97-AF65-F5344CB8AC3E}">
-        <p14:creationId xmlns:p14="http://schemas.microsoft.com/office/powerpoint/2010/main" val="4174966634"/>
-      </p:ext>
-    </p:extLst>
-  </p:cSld>
-  <p:clrMapOvr>
-    <a:masterClrMapping/>
-  </p:clrMapOvr>
-</p:sld>
-</file>
-
-<file path=ppt/slides/slide3.xml><?xml version="1.0" encoding="utf-8"?>
-<p:sld xmlns:a="http://schemas.openxmlformats.org/drawingml/2006/main" xmlns:r="http://schemas.openxmlformats.org/officeDocument/2006/relationships" xmlns:p="http://schemas.openxmlformats.org/presentationml/2006/main">
-  <p:cSld>
-    <p:spTree>
-      <p:nvGrpSpPr>
-        <p:cNvPr id="1" name=""/>
-        <p:cNvGrpSpPr/>
-        <p:nvPr/>
-      </p:nvGrpSpPr>
-      <p:grpSpPr>
-        <a:xfrm>
-          <a:off x="0" y="0"/>
-          <a:ext cx="0" cy="0"/>
-          <a:chOff x="0" y="0"/>
-          <a:chExt cx="0" cy="0"/>
-        </a:xfrm>
-      </p:grpSpPr>
-      <p:sp>
-        <p:nvSpPr>
           <p:cNvPr id="4" name="矩形: 圆角 3">
             <a:extLst>
               <a:ext uri="{FF2B5EF4-FFF2-40B4-BE49-F238E27FC236}">
@@ -4723,7 +4034,7 @@
 </p:sld>
 </file>
 
-<file path=ppt/slides/slide4.xml><?xml version="1.0" encoding="utf-8"?>
+<file path=ppt/slides/slide3.xml><?xml version="1.0" encoding="utf-8"?>
 <p:sld xmlns:a="http://schemas.openxmlformats.org/drawingml/2006/main" xmlns:r="http://schemas.openxmlformats.org/officeDocument/2006/relationships" xmlns:p="http://schemas.openxmlformats.org/presentationml/2006/main">
   <p:cSld>
     <p:spTree>
